--- a/img/source vectorgrafics/cloudreq.pptx
+++ b/img/source vectorgrafics/cloudreq.pptx
@@ -104,6 +104,11 @@
       </a:defRPr>
     </a:lvl9pPr>
   </p:defaultTextStyle>
+  <p:extLst>
+    <p:ext uri="{EFAFB233-063F-42B5-8137-9DF3F51BA10A}">
+      <p15:sldGuideLst xmlns:p15="http://schemas.microsoft.com/office/powerpoint/2012/main"/>
+    </p:ext>
+  </p:extLst>
 </p:presentation>
 </file>
 
@@ -254,7 +259,7 @@
           <a:p>
             <a:fld id="{A5E6B675-B8B4-457F-AFA6-86ECA7DD08F4}" type="datetimeFigureOut">
               <a:rPr lang="de-DE" smtClean="0"/>
-              <a:t>13.03.2020</a:t>
+              <a:t>06.05.2020</a:t>
             </a:fld>
             <a:endParaRPr lang="de-DE"/>
           </a:p>
@@ -452,7 +457,7 @@
           <a:p>
             <a:fld id="{A5E6B675-B8B4-457F-AFA6-86ECA7DD08F4}" type="datetimeFigureOut">
               <a:rPr lang="de-DE" smtClean="0"/>
-              <a:t>13.03.2020</a:t>
+              <a:t>06.05.2020</a:t>
             </a:fld>
             <a:endParaRPr lang="de-DE"/>
           </a:p>
@@ -660,7 +665,7 @@
           <a:p>
             <a:fld id="{A5E6B675-B8B4-457F-AFA6-86ECA7DD08F4}" type="datetimeFigureOut">
               <a:rPr lang="de-DE" smtClean="0"/>
-              <a:t>13.03.2020</a:t>
+              <a:t>06.05.2020</a:t>
             </a:fld>
             <a:endParaRPr lang="de-DE"/>
           </a:p>
@@ -858,7 +863,7 @@
           <a:p>
             <a:fld id="{A5E6B675-B8B4-457F-AFA6-86ECA7DD08F4}" type="datetimeFigureOut">
               <a:rPr lang="de-DE" smtClean="0"/>
-              <a:t>13.03.2020</a:t>
+              <a:t>06.05.2020</a:t>
             </a:fld>
             <a:endParaRPr lang="de-DE"/>
           </a:p>
@@ -1133,7 +1138,7 @@
           <a:p>
             <a:fld id="{A5E6B675-B8B4-457F-AFA6-86ECA7DD08F4}" type="datetimeFigureOut">
               <a:rPr lang="de-DE" smtClean="0"/>
-              <a:t>13.03.2020</a:t>
+              <a:t>06.05.2020</a:t>
             </a:fld>
             <a:endParaRPr lang="de-DE"/>
           </a:p>
@@ -1398,7 +1403,7 @@
           <a:p>
             <a:fld id="{A5E6B675-B8B4-457F-AFA6-86ECA7DD08F4}" type="datetimeFigureOut">
               <a:rPr lang="de-DE" smtClean="0"/>
-              <a:t>13.03.2020</a:t>
+              <a:t>06.05.2020</a:t>
             </a:fld>
             <a:endParaRPr lang="de-DE"/>
           </a:p>
@@ -1810,7 +1815,7 @@
           <a:p>
             <a:fld id="{A5E6B675-B8B4-457F-AFA6-86ECA7DD08F4}" type="datetimeFigureOut">
               <a:rPr lang="de-DE" smtClean="0"/>
-              <a:t>13.03.2020</a:t>
+              <a:t>06.05.2020</a:t>
             </a:fld>
             <a:endParaRPr lang="de-DE"/>
           </a:p>
@@ -1951,7 +1956,7 @@
           <a:p>
             <a:fld id="{A5E6B675-B8B4-457F-AFA6-86ECA7DD08F4}" type="datetimeFigureOut">
               <a:rPr lang="de-DE" smtClean="0"/>
-              <a:t>13.03.2020</a:t>
+              <a:t>06.05.2020</a:t>
             </a:fld>
             <a:endParaRPr lang="de-DE"/>
           </a:p>
@@ -2064,7 +2069,7 @@
           <a:p>
             <a:fld id="{A5E6B675-B8B4-457F-AFA6-86ECA7DD08F4}" type="datetimeFigureOut">
               <a:rPr lang="de-DE" smtClean="0"/>
-              <a:t>13.03.2020</a:t>
+              <a:t>06.05.2020</a:t>
             </a:fld>
             <a:endParaRPr lang="de-DE"/>
           </a:p>
@@ -2375,7 +2380,7 @@
           <a:p>
             <a:fld id="{A5E6B675-B8B4-457F-AFA6-86ECA7DD08F4}" type="datetimeFigureOut">
               <a:rPr lang="de-DE" smtClean="0"/>
-              <a:t>13.03.2020</a:t>
+              <a:t>06.05.2020</a:t>
             </a:fld>
             <a:endParaRPr lang="de-DE"/>
           </a:p>
@@ -2663,7 +2668,7 @@
           <a:p>
             <a:fld id="{A5E6B675-B8B4-457F-AFA6-86ECA7DD08F4}" type="datetimeFigureOut">
               <a:rPr lang="de-DE" smtClean="0"/>
-              <a:t>13.03.2020</a:t>
+              <a:t>06.05.2020</a:t>
             </a:fld>
             <a:endParaRPr lang="de-DE"/>
           </a:p>
@@ -2904,7 +2909,7 @@
           <a:p>
             <a:fld id="{A5E6B675-B8B4-457F-AFA6-86ECA7DD08F4}" type="datetimeFigureOut">
               <a:rPr lang="de-DE" smtClean="0"/>
-              <a:t>13.03.2020</a:t>
+              <a:t>06.05.2020</a:t>
             </a:fld>
             <a:endParaRPr lang="de-DE"/>
           </a:p>
@@ -3541,8 +3546,8 @@
             <a:lstStyle/>
             <a:p>
               <a:r>
-                <a:rPr lang="de-DE" sz="1600" b="1" dirty="0"/>
-                <a:t>Entreprise </a:t>
+                <a:rPr lang="de-DE" sz="1600" b="1"/>
+                <a:t>Enterprise </a:t>
               </a:r>
               <a:r>
                 <a:rPr lang="en-US" sz="1600" b="1" dirty="0"/>
@@ -4986,7 +4991,7 @@
               </a:r>
               <a:r>
                 <a:rPr lang="de-DE" sz="1600" dirty="0" err="1"/>
-                <a:t>tolerance</a:t>
+                <a:t>Tolerance</a:t>
               </a:r>
               <a:endParaRPr lang="de-DE" sz="1600" dirty="0"/>
             </a:p>
